--- a/docs/Apprentice Bootcamp - Methodologies Part2.pptx
+++ b/docs/Apprentice Bootcamp - Methodologies Part2.pptx
@@ -3869,7 +3869,7 @@
         </p:spPr>
         <p:txBody>
           <a:bodyPr>
-            <a:normAutofit fontScale="92500" lnSpcReduction="10000"/>
+            <a:normAutofit fontScale="77500" lnSpcReduction="20000"/>
           </a:bodyPr>
           <a:lstStyle/>
           <a:p>
@@ -3881,7 +3881,13 @@
           <a:p>
             <a:r>
               <a:rPr lang="en-US" dirty="0"/>
-              <a:t>Created by IBM (Rational Software Corp)</a:t>
+              <a:t>Created by IBM (Rational Software Corp).</a:t>
+            </a:r>
+          </a:p>
+          <a:p>
+            <a:r>
+              <a:rPr lang="en-US" dirty="0"/>
+              <a:t>Based on UP!</a:t>
             </a:r>
           </a:p>
           <a:p>
@@ -4222,18 +4228,24 @@
         <p:spPr>
           <a:xfrm>
             <a:off x="174171" y="1465955"/>
-            <a:ext cx="11582400" cy="1682762"/>
+            <a:ext cx="10027352" cy="2151888"/>
           </a:xfrm>
         </p:spPr>
         <p:txBody>
           <a:bodyPr>
-            <a:normAutofit fontScale="92500" lnSpcReduction="10000"/>
+            <a:normAutofit fontScale="85000" lnSpcReduction="10000"/>
           </a:bodyPr>
           <a:lstStyle/>
           <a:p>
             <a:r>
               <a:rPr lang="en-US" dirty="0"/>
-              <a:t>Mean “signboard” in Japanese? Started as lean manufacturing system in Toyota?</a:t>
+              <a:t>Means “signboard” in Japanese? </a:t>
+            </a:r>
+          </a:p>
+          <a:p>
+            <a:r>
+              <a:rPr lang="en-US" dirty="0"/>
+              <a:t>Based on Lean manufacturing system in Toyota? Focus on eliminating waste.</a:t>
             </a:r>
           </a:p>
           <a:p>
@@ -4300,7 +4312,7 @@
         </p:nvSpPr>
         <p:spPr>
           <a:xfrm>
-            <a:off x="177830" y="3343725"/>
+            <a:off x="174171" y="3986283"/>
             <a:ext cx="2509711" cy="646331"/>
           </a:xfrm>
           <a:prstGeom prst="rect">
@@ -4351,7 +4363,7 @@
         </p:nvSpPr>
         <p:spPr>
           <a:xfrm>
-            <a:off x="4534135" y="3339952"/>
+            <a:off x="4472418" y="3986283"/>
             <a:ext cx="1492953" cy="646331"/>
           </a:xfrm>
           <a:prstGeom prst="rect">
@@ -4562,10 +4574,85 @@
         <p:spPr>
           <a:xfrm>
             <a:off x="3768725" y="1782763"/>
-            <a:ext cx="4394200" cy="4394200"/>
+            <a:ext cx="3610085" cy="3610085"/>
           </a:xfrm>
         </p:spPr>
       </p:pic>
+      <p:sp>
+        <p:nvSpPr>
+          <p:cNvPr id="8" name="TextBox 7">
+            <a:extLst>
+              <a:ext uri="{FF2B5EF4-FFF2-40B4-BE49-F238E27FC236}">
+                <a16:creationId xmlns:a16="http://schemas.microsoft.com/office/drawing/2014/main" id="{53D72B42-36A4-45D9-BD53-4AD303F08F16}"/>
+              </a:ext>
+            </a:extLst>
+          </p:cNvPr>
+          <p:cNvSpPr txBox="1"/>
+          <p:nvPr/>
+        </p:nvSpPr>
+        <p:spPr>
+          <a:xfrm>
+            <a:off x="564543" y="5615016"/>
+            <a:ext cx="6702950" cy="738664"/>
+          </a:xfrm>
+          <a:prstGeom prst="rect">
+            <a:avLst/>
+          </a:prstGeom>
+          <a:noFill/>
+        </p:spPr>
+        <p:txBody>
+          <a:bodyPr wrap="square" rtlCol="0">
+            <a:spAutoFit/>
+          </a:bodyPr>
+          <a:lstStyle/>
+          <a:p>
+            <a:r>
+              <a:rPr lang="en-GB" sz="1400" dirty="0">
+                <a:latin typeface="Arial"/>
+                <a:cs typeface="Arial"/>
+              </a:rPr>
+              <a:t>Q1 – What about TDD and DevOps? Are they methodologies or just part of good Agile practice?</a:t>
+            </a:r>
+          </a:p>
+          <a:p>
+            <a:r>
+              <a:rPr lang="en-GB" sz="1400" dirty="0">
+                <a:latin typeface="Arial"/>
+                <a:cs typeface="Arial"/>
+              </a:rPr>
+              <a:t>Q2 – What about </a:t>
+            </a:r>
+            <a:r>
+              <a:rPr lang="en-GB" sz="1400" dirty="0" err="1">
+                <a:latin typeface="Arial"/>
+                <a:cs typeface="Arial"/>
+              </a:rPr>
+              <a:t>SAFe</a:t>
+            </a:r>
+            <a:r>
+              <a:rPr lang="en-GB" sz="1400" dirty="0">
+                <a:latin typeface="Arial"/>
+                <a:cs typeface="Arial"/>
+              </a:rPr>
+              <a:t> and </a:t>
+            </a:r>
+            <a:r>
+              <a:rPr lang="en-GB" sz="1400" dirty="0" err="1">
+                <a:latin typeface="Arial"/>
+                <a:cs typeface="Arial"/>
+              </a:rPr>
+              <a:t>LeSS</a:t>
+            </a:r>
+            <a:r>
+              <a:rPr lang="en-GB" sz="1400" dirty="0">
+                <a:latin typeface="Arial"/>
+                <a:cs typeface="Arial"/>
+              </a:rPr>
+              <a:t>? </a:t>
+            </a:r>
+          </a:p>
+        </p:txBody>
+      </p:sp>
     </p:spTree>
     <p:extLst>
       <p:ext uri="{BB962C8B-B14F-4D97-AF65-F5344CB8AC3E}">
@@ -5034,7 +5121,7 @@
           <a:p>
             <a:r>
               <a:rPr lang="en-US" dirty="0"/>
-              <a:t>Software Development Methodologies – Phased Waterfall</a:t>
+              <a:t>Software Development Methodologies – Phased Waterfall*</a:t>
             </a:r>
           </a:p>
         </p:txBody>
@@ -5219,21 +5306,7 @@
                 <a:latin typeface="Arial"/>
                 <a:cs typeface="Arial"/>
               </a:rPr>
-              <a:t>In practice the PM normally says “we can not deliver all functionality that in that time”. </a:t>
-            </a:r>
-            <a:r>
-              <a:rPr lang="en-GB" sz="2000">
-                <a:latin typeface="Arial"/>
-                <a:cs typeface="Arial"/>
-              </a:rPr>
-              <a:t>So </a:t>
-            </a:r>
-            <a:r>
-              <a:rPr lang="en-GB" sz="2000" dirty="0">
-                <a:latin typeface="Arial"/>
-                <a:cs typeface="Arial"/>
-              </a:rPr>
-              <a:t>she then proposes delivering bits of it in phases over a longer period.</a:t>
+              <a:t>In real life the PM normally says to customer “we can not deliver all functionality that in that time”. So she then proposes delivering bits of it in phases over a longer period.</a:t>
             </a:r>
           </a:p>
           <a:p>
@@ -5246,7 +5319,7 @@
                 <a:latin typeface="Arial"/>
                 <a:cs typeface="Arial"/>
               </a:rPr>
-              <a:t>Each phase may be a 3-6 months. It’s almost iterative!</a:t>
+              <a:t>Each phase may be a 3-6 months. It’s almost iterative, but not Agile!</a:t>
             </a:r>
           </a:p>
         </p:txBody>
@@ -5718,6 +5791,44 @@
           </a:p>
         </p:txBody>
       </p:sp>
+      <p:sp>
+        <p:nvSpPr>
+          <p:cNvPr id="2" name="TextBox 1">
+            <a:extLst>
+              <a:ext uri="{FF2B5EF4-FFF2-40B4-BE49-F238E27FC236}">
+                <a16:creationId xmlns:a16="http://schemas.microsoft.com/office/drawing/2014/main" id="{0CC899E1-9CE8-4437-9663-2C0650B61FDC}"/>
+              </a:ext>
+            </a:extLst>
+          </p:cNvPr>
+          <p:cNvSpPr txBox="1"/>
+          <p:nvPr/>
+        </p:nvSpPr>
+        <p:spPr>
+          <a:xfrm>
+            <a:off x="652006" y="6080465"/>
+            <a:ext cx="10956152" cy="338554"/>
+          </a:xfrm>
+          <a:prstGeom prst="rect">
+            <a:avLst/>
+          </a:prstGeom>
+          <a:noFill/>
+        </p:spPr>
+        <p:txBody>
+          <a:bodyPr wrap="square" rtlCol="0">
+            <a:spAutoFit/>
+          </a:bodyPr>
+          <a:lstStyle/>
+          <a:p>
+            <a:r>
+              <a:rPr lang="en-GB" sz="1600" dirty="0">
+                <a:latin typeface="Arial"/>
+                <a:cs typeface="Arial"/>
+              </a:rPr>
+              <a:t>*This is a real methodology that is used in the real world, but may not be well documented, or in your exam.</a:t>
+            </a:r>
+          </a:p>
+        </p:txBody>
+      </p:sp>
     </p:spTree>
     <p:extLst>
       <p:ext uri="{BB962C8B-B14F-4D97-AF65-F5344CB8AC3E}">
@@ -5788,7 +5899,7 @@
         <p:spPr>
           <a:xfrm>
             <a:off x="384563" y="1411558"/>
-            <a:ext cx="4704272" cy="923330"/>
+            <a:ext cx="4704272" cy="1938992"/>
           </a:xfrm>
           <a:prstGeom prst="rect">
             <a:avLst/>
@@ -5802,7 +5913,7 @@
           <a:lstStyle/>
           <a:p>
             <a:r>
-              <a:rPr lang="en-GB" dirty="0">
+              <a:rPr lang="en-GB" sz="2400" b="1" dirty="0">
                 <a:latin typeface="Arial"/>
                 <a:cs typeface="Arial"/>
               </a:rPr>
@@ -5815,11 +5926,24 @@
               <a:buChar char="•"/>
             </a:pPr>
             <a:r>
-              <a:rPr lang="en-GB" dirty="0">
+              <a:rPr lang="en-GB" sz="2400" dirty="0">
                 <a:latin typeface="Arial"/>
                 <a:cs typeface="Arial"/>
               </a:rPr>
               <a:t>Allows testing and customer feedback at the end of each stage</a:t>
+            </a:r>
+          </a:p>
+          <a:p>
+            <a:pPr marL="285750" indent="-285750">
+              <a:buFont typeface="Arial" panose="020B0604020202020204" pitchFamily="34" charset="0"/>
+              <a:buChar char="•"/>
+            </a:pPr>
+            <a:r>
+              <a:rPr lang="en-GB" sz="2400" dirty="0">
+                <a:latin typeface="Arial"/>
+                <a:cs typeface="Arial"/>
+              </a:rPr>
+              <a:t>All the other pros of waterfall</a:t>
             </a:r>
           </a:p>
         </p:txBody>
@@ -5839,7 +5963,7 @@
         <p:spPr>
           <a:xfrm>
             <a:off x="5596013" y="1357887"/>
-            <a:ext cx="5273419" cy="2308324"/>
+            <a:ext cx="5273419" cy="3785652"/>
           </a:xfrm>
           <a:prstGeom prst="rect">
             <a:avLst/>
@@ -5853,7 +5977,7 @@
           <a:lstStyle/>
           <a:p>
             <a:r>
-              <a:rPr lang="en-GB" dirty="0">
+              <a:rPr lang="en-GB" sz="2400" b="1" dirty="0">
                 <a:latin typeface="Arial"/>
                 <a:cs typeface="Arial"/>
               </a:rPr>
@@ -5866,7 +5990,7 @@
               <a:buChar char="•"/>
             </a:pPr>
             <a:r>
-              <a:rPr lang="en-GB" dirty="0">
+              <a:rPr lang="en-GB" sz="2400" dirty="0">
                 <a:latin typeface="Arial"/>
                 <a:cs typeface="Arial"/>
               </a:rPr>
@@ -5879,7 +6003,7 @@
               <a:buChar char="•"/>
             </a:pPr>
             <a:r>
-              <a:rPr lang="en-GB" dirty="0">
+              <a:rPr lang="en-GB" sz="2400" dirty="0">
                 <a:latin typeface="Arial"/>
                 <a:cs typeface="Arial"/>
               </a:rPr>
@@ -5892,11 +6016,11 @@
               <a:buChar char="•"/>
             </a:pPr>
             <a:r>
-              <a:rPr lang="en-GB" dirty="0">
+              <a:rPr lang="en-GB" sz="2400" dirty="0">
                 <a:latin typeface="Arial"/>
                 <a:cs typeface="Arial"/>
               </a:rPr>
-              <a:t>The feedback and defects are rarely included in the PMs plan  </a:t>
+              <a:t>The feedback and defects are rarely included in the PMs plan. Runs over schedule.</a:t>
             </a:r>
           </a:p>
         </p:txBody>
@@ -6020,7 +6144,7 @@
         <p:spPr>
           <a:xfrm>
             <a:off x="333955" y="1407381"/>
-            <a:ext cx="6241773" cy="2031325"/>
+            <a:ext cx="6241773" cy="2308324"/>
           </a:xfrm>
           <a:prstGeom prst="rect">
             <a:avLst/>
@@ -6055,7 +6179,7 @@
                 <a:latin typeface="Arial"/>
                 <a:cs typeface="Arial"/>
               </a:rPr>
-              <a:t>V model based on Waterfall but with focus on testing (don’t leave it until last)</a:t>
+              <a:t>V model based on Waterfall but with focus on testing (don’t leave thinking about it until last)</a:t>
             </a:r>
           </a:p>
           <a:p>
@@ -6081,7 +6205,20 @@
                 <a:latin typeface="Arial"/>
                 <a:cs typeface="Arial"/>
               </a:rPr>
-              <a:t>Similar ideas as TDD. Tests first approach.</a:t>
+              <a:t>The start of the TDD tests first approach?</a:t>
+            </a:r>
+          </a:p>
+          <a:p>
+            <a:pPr marL="285750" indent="-285750">
+              <a:buFont typeface="Arial" panose="020B0604020202020204" pitchFamily="34" charset="0"/>
+              <a:buChar char="•"/>
+            </a:pPr>
+            <a:r>
+              <a:rPr lang="en-GB" dirty="0">
+                <a:latin typeface="Arial"/>
+                <a:cs typeface="Arial"/>
+              </a:rPr>
+              <a:t>Not Agile and not iterative</a:t>
             </a:r>
           </a:p>
         </p:txBody>
@@ -6290,13 +6427,29 @@
         </p:spPr>
         <p:txBody>
           <a:bodyPr>
-            <a:normAutofit fontScale="92500" lnSpcReduction="10000"/>
+            <a:normAutofit fontScale="85000" lnSpcReduction="20000"/>
           </a:bodyPr>
           <a:lstStyle/>
           <a:p>
             <a:r>
               <a:rPr lang="en-US" dirty="0"/>
-              <a:t>Use the risk pattern of a project to decide what model to actually use (could use waterfall during the build quadrant)</a:t>
+              <a:t>Use the </a:t>
+            </a:r>
+            <a:r>
+              <a:rPr lang="en-US" b="1" dirty="0"/>
+              <a:t>risk</a:t>
+            </a:r>
+            <a:r>
+              <a:rPr lang="en-US" dirty="0"/>
+              <a:t> </a:t>
+            </a:r>
+            <a:r>
+              <a:rPr lang="en-US" b="1" dirty="0"/>
+              <a:t>pattern</a:t>
+            </a:r>
+            <a:r>
+              <a:rPr lang="en-US" dirty="0"/>
+              <a:t> of a project to decide what model to actually use (could use waterfall during the build quadrant)</a:t>
             </a:r>
           </a:p>
           <a:p>
@@ -6308,13 +6461,19 @@
           <a:p>
             <a:r>
               <a:rPr lang="en-US" dirty="0"/>
-              <a:t>Both sequential and incremental?</a:t>
+              <a:t>Use for risky, complex, ill defined projects?</a:t>
             </a:r>
           </a:p>
           <a:p>
             <a:r>
               <a:rPr lang="en-US" dirty="0"/>
-              <a:t>Use for risky, complex, ill defined projects?</a:t>
+              <a:t>Potentially both sequential and incremental?</a:t>
+            </a:r>
+          </a:p>
+          <a:p>
+            <a:r>
+              <a:rPr lang="en-US" dirty="0"/>
+              <a:t>Is iterative but not Agile?</a:t>
             </a:r>
           </a:p>
         </p:txBody>
@@ -6356,7 +6515,7 @@
         <p:spPr>
           <a:xfrm>
             <a:off x="185781" y="4600031"/>
-            <a:ext cx="3479770" cy="1200329"/>
+            <a:ext cx="3479770" cy="1477328"/>
           </a:xfrm>
           <a:prstGeom prst="rect">
             <a:avLst/>
@@ -6387,7 +6546,7 @@
                 <a:latin typeface="Arial"/>
                 <a:cs typeface="Arial"/>
               </a:rPr>
-              <a:t>Use sees product and can feedback</a:t>
+              <a:t>User sees product and can give feedback after each cycle</a:t>
             </a:r>
           </a:p>
           <a:p>
@@ -7129,7 +7288,9 @@
           </a:xfrm>
         </p:spPr>
         <p:txBody>
-          <a:bodyPr/>
+          <a:bodyPr>
+            <a:normAutofit fontScale="92500"/>
+          </a:bodyPr>
           <a:lstStyle/>
           <a:p>
             <a:r>
@@ -7150,7 +7311,7 @@
             </a:r>
             <a:r>
               <a:rPr lang="en-US" dirty="0"/>
-              <a:t> prioritization (musts, should, </a:t>
+              <a:t> requirement prioritization (musts, should, </a:t>
             </a:r>
             <a:r>
               <a:rPr lang="en-US" dirty="0" err="1"/>
@@ -7200,7 +7361,7 @@
         <p:spPr>
           <a:xfrm>
             <a:off x="185781" y="3343725"/>
-            <a:ext cx="3463868" cy="646331"/>
+            <a:ext cx="3463868" cy="923330"/>
           </a:xfrm>
           <a:prstGeom prst="rect">
             <a:avLst/>
@@ -7214,7 +7375,7 @@
           <a:lstStyle/>
           <a:p>
             <a:r>
-              <a:rPr lang="en-GB" dirty="0">
+              <a:rPr lang="en-GB" b="1" dirty="0">
                 <a:latin typeface="Arial"/>
                 <a:cs typeface="Arial"/>
               </a:rPr>
@@ -7231,7 +7392,20 @@
                 <a:latin typeface="Arial"/>
                 <a:cs typeface="Arial"/>
               </a:rPr>
-              <a:t>Google it.</a:t>
+              <a:t>Focus on business needs</a:t>
+            </a:r>
+          </a:p>
+          <a:p>
+            <a:pPr marL="285750" indent="-285750">
+              <a:buFont typeface="Arial" panose="020B0604020202020204" pitchFamily="34" charset="0"/>
+              <a:buChar char="•"/>
+            </a:pPr>
+            <a:r>
+              <a:rPr lang="en-GB" dirty="0">
+                <a:latin typeface="Arial"/>
+                <a:cs typeface="Arial"/>
+              </a:rPr>
+              <a:t>Focus on quality</a:t>
             </a:r>
           </a:p>
         </p:txBody>
@@ -7250,8 +7424,8 @@
         </p:nvSpPr>
         <p:spPr>
           <a:xfrm>
-            <a:off x="5615513" y="3339952"/>
-            <a:ext cx="999972" cy="369332"/>
+            <a:off x="5615512" y="3339952"/>
+            <a:ext cx="3000453" cy="923330"/>
           </a:xfrm>
           <a:prstGeom prst="rect">
             <a:avLst/>
@@ -7265,11 +7439,24 @@
           <a:lstStyle/>
           <a:p>
             <a:r>
-              <a:rPr lang="en-GB" dirty="0">
+              <a:rPr lang="en-GB" b="1" dirty="0">
                 <a:latin typeface="Arial"/>
                 <a:cs typeface="Arial"/>
               </a:rPr>
               <a:t>Cons</a:t>
+            </a:r>
+          </a:p>
+          <a:p>
+            <a:pPr marL="285750" indent="-285750">
+              <a:buFont typeface="Arial" panose="020B0604020202020204" pitchFamily="34" charset="0"/>
+              <a:buChar char="•"/>
+            </a:pPr>
+            <a:r>
+              <a:rPr lang="en-GB" dirty="0">
+                <a:latin typeface="Arial"/>
+                <a:cs typeface="Arial"/>
+              </a:rPr>
+              <a:t>Strict and hard to follow rules?</a:t>
             </a:r>
           </a:p>
         </p:txBody>
@@ -7384,6 +7571,12 @@
           <a:p>
             <a:r>
               <a:rPr lang="en-US" dirty="0"/>
+              <a:t>Frequent releases</a:t>
+            </a:r>
+          </a:p>
+          <a:p>
+            <a:r>
+              <a:rPr lang="en-US" dirty="0"/>
               <a:t>Pair programming</a:t>
             </a:r>
           </a:p>
@@ -7431,11 +7624,11 @@
             </a:r>
             <a:r>
               <a:rPr lang="en-US" dirty="0" err="1"/>
-              <a:t>eXtrems</a:t>
+              <a:t>eXtreme</a:t>
             </a:r>
             <a:r>
               <a:rPr lang="en-US" dirty="0"/>
-              <a:t> Programming)</a:t>
+              <a:t> Programming*)</a:t>
             </a:r>
           </a:p>
         </p:txBody>
@@ -7871,6 +8064,59 @@
               <a:buNone/>
             </a:pPr>
             <a:endParaRPr lang="en-US" kern="0" dirty="0"/>
+          </a:p>
+        </p:txBody>
+      </p:sp>
+      <p:sp>
+        <p:nvSpPr>
+          <p:cNvPr id="4" name="TextBox 3">
+            <a:extLst>
+              <a:ext uri="{FF2B5EF4-FFF2-40B4-BE49-F238E27FC236}">
+                <a16:creationId xmlns:a16="http://schemas.microsoft.com/office/drawing/2014/main" id="{E4FB699E-FF00-4946-90A2-0DE9219404A1}"/>
+              </a:ext>
+            </a:extLst>
+          </p:cNvPr>
+          <p:cNvSpPr txBox="1"/>
+          <p:nvPr/>
+        </p:nvSpPr>
+        <p:spPr>
+          <a:xfrm>
+            <a:off x="356315" y="6046631"/>
+            <a:ext cx="11088709" cy="369332"/>
+          </a:xfrm>
+          <a:prstGeom prst="rect">
+            <a:avLst/>
+          </a:prstGeom>
+          <a:noFill/>
+        </p:spPr>
+        <p:txBody>
+          <a:bodyPr wrap="square" rtlCol="0">
+            <a:spAutoFit/>
+          </a:bodyPr>
+          <a:lstStyle/>
+          <a:p>
+            <a:r>
+              <a:rPr lang="en-GB" dirty="0">
+                <a:latin typeface="Arial"/>
+                <a:cs typeface="Arial"/>
+              </a:rPr>
+              <a:t>*Takes things to extremes. E.g. If code reviews are good, then do it all the time </a:t>
+            </a:r>
+            <a:r>
+              <a:rPr lang="en-GB" dirty="0">
+                <a:latin typeface="Arial"/>
+                <a:cs typeface="Arial"/>
+                <a:sym typeface="Wingdings" panose="05000000000000000000" pitchFamily="2" charset="2"/>
+              </a:rPr>
+              <a:t></a:t>
+            </a:r>
+            <a:r>
+              <a:rPr lang="en-GB" dirty="0">
+                <a:latin typeface="Arial"/>
+                <a:cs typeface="Arial"/>
+              </a:rPr>
+              <a:t> pair programming</a:t>
+            </a:r>
           </a:p>
         </p:txBody>
       </p:sp>
